--- a/documents/Presentation Projet.pptx
+++ b/documents/Presentation Projet.pptx
@@ -13,8 +13,8 @@
     <p:sldId id="261" r:id="rId4"/>
     <p:sldId id="262" r:id="rId5"/>
     <p:sldId id="263" r:id="rId6"/>
-    <p:sldId id="264" r:id="rId7"/>
-    <p:sldId id="258" r:id="rId8"/>
+    <p:sldId id="258" r:id="rId7"/>
+    <p:sldId id="264" r:id="rId8"/>
     <p:sldId id="265" r:id="rId9"/>
   </p:sldIdLst>
   <p:sldSz cx="9144000" cy="6858000" type="screen4x3"/>
@@ -116,7 +116,7 @@
   </p:defaultTextStyle>
   <p:extLst>
     <p:ext uri="{EFAFB233-063F-42B5-8137-9DF3F51BA10A}">
-      <p15:sldGuideLst xmlns="" xmlns:p15="http://schemas.microsoft.com/office/powerpoint/2012/main">
+      <p15:sldGuideLst xmlns:p15="http://schemas.microsoft.com/office/powerpoint/2012/main" xmlns="">
         <p15:guide id="1" orient="horz" pos="2160">
           <p15:clr>
             <a:srgbClr val="A4A3A4"/>
@@ -215,7 +215,7 @@
           <a:p>
             <a:fld id="{D5B85484-FC16-483F-AA27-06F31BA6E350}" type="datetimeFigureOut">
               <a:rPr lang="en-US"/>
-              <a:t>23/03/13</a:t>
+              <a:t>28/03/13</a:t>
             </a:fld>
             <a:endParaRPr lang="en-US"/>
           </a:p>
@@ -883,7 +883,7 @@
           <a:p>
             <a:fld id="{77A2AF10-BDE8-4B42-94EA-168EFC124F71}" type="slidenum">
               <a:rPr lang="en-US"/>
-              <a:t>6</a:t>
+              <a:t>7</a:t>
             </a:fld>
             <a:endParaRPr lang="en-US"/>
           </a:p>
@@ -1099,7 +1099,7 @@
             <a:fld id="{9EB5ECD5-515E-4817-8A06-1D2ED2C83850}" type="datetime4">
               <a:rPr lang="en-US" smtClean="0"/>
               <a:pPr/>
-              <a:t>March 23, 2013</a:t>
+              <a:t>March 28, 2013</a:t>
             </a:fld>
             <a:endParaRPr lang="en-US"/>
           </a:p>
@@ -1186,11 +1186,11 @@
   <p:clrMapOvr>
     <a:overrideClrMapping bg1="lt1" tx1="dk1" bg2="lt2" tx2="dk2" accent1="accent1" accent2="accent2" accent3="accent3" accent4="accent4" accent5="accent5" accent6="accent6" hlink="hlink" folHlink="folHlink"/>
   </p:clrMapOvr>
-  <mc:AlternateContent xmlns:mc="http://schemas.openxmlformats.org/markup-compatibility/2006">
-    <mc:Choice xmlns:p14="http://schemas.microsoft.com/office/powerpoint/2010/main" Requires="p14">
+  <mc:AlternateContent xmlns:mc="http://schemas.openxmlformats.org/markup-compatibility/2006" xmlns:p14="http://schemas.microsoft.com/office/powerpoint/2010/main">
+    <mc:Choice Requires="p14">
       <p:transition p14:dur="0"/>
     </mc:Choice>
-    <mc:Fallback>
+    <mc:Fallback xmlns="">
       <p:transition xmlns:p14="http://schemas.microsoft.com/office/powerpoint/2010/main"/>
     </mc:Fallback>
   </mc:AlternateContent>
@@ -1236,7 +1236,7 @@
           <a:p>
             <a:fld id="{5E94B75A-51E9-442C-89DB-B5F3B749F271}" type="datetimeFigureOut">
               <a:rPr lang="fr-FR" smtClean="0"/>
-              <a:t>23/03/13</a:t>
+              <a:t>28/03/13</a:t>
             </a:fld>
             <a:endParaRPr lang="fr-FR"/>
           </a:p>
@@ -1289,11 +1289,11 @@
   <p:clrMapOvr>
     <a:overrideClrMapping bg1="lt1" tx1="dk1" bg2="lt2" tx2="dk2" accent1="accent1" accent2="accent2" accent3="accent3" accent4="accent4" accent5="accent5" accent6="accent6" hlink="hlink" folHlink="folHlink"/>
   </p:clrMapOvr>
-  <mc:AlternateContent xmlns:mc="http://schemas.openxmlformats.org/markup-compatibility/2006">
-    <mc:Choice xmlns:p14="http://schemas.microsoft.com/office/powerpoint/2010/main" Requires="p14">
+  <mc:AlternateContent xmlns:mc="http://schemas.openxmlformats.org/markup-compatibility/2006" xmlns:p14="http://schemas.microsoft.com/office/powerpoint/2010/main">
+    <mc:Choice Requires="p14">
       <p:transition p14:dur="0"/>
     </mc:Choice>
-    <mc:Fallback>
+    <mc:Fallback xmlns="">
       <p:transition xmlns:p14="http://schemas.microsoft.com/office/powerpoint/2010/main"/>
     </mc:Fallback>
   </mc:AlternateContent>
@@ -1549,7 +1549,7 @@
           <a:p>
             <a:fld id="{5E94B75A-51E9-442C-89DB-B5F3B749F271}" type="datetimeFigureOut">
               <a:rPr lang="fr-FR" smtClean="0"/>
-              <a:t>23/03/13</a:t>
+              <a:t>28/03/13</a:t>
             </a:fld>
             <a:endParaRPr lang="fr-FR"/>
           </a:p>
@@ -1602,11 +1602,11 @@
   <p:clrMapOvr>
     <a:masterClrMapping/>
   </p:clrMapOvr>
-  <mc:AlternateContent xmlns:mc="http://schemas.openxmlformats.org/markup-compatibility/2006">
-    <mc:Choice xmlns:p14="http://schemas.microsoft.com/office/powerpoint/2010/main" Requires="p14">
+  <mc:AlternateContent xmlns:mc="http://schemas.openxmlformats.org/markup-compatibility/2006" xmlns:p14="http://schemas.microsoft.com/office/powerpoint/2010/main">
+    <mc:Choice Requires="p14">
       <p:transition p14:dur="0"/>
     </mc:Choice>
-    <mc:Fallback>
+    <mc:Fallback xmlns="">
       <p:transition xmlns:p14="http://schemas.microsoft.com/office/powerpoint/2010/main"/>
     </mc:Fallback>
   </mc:AlternateContent>
@@ -1782,7 +1782,7 @@
           <a:p>
             <a:fld id="{5E94B75A-51E9-442C-89DB-B5F3B749F271}" type="datetimeFigureOut">
               <a:rPr lang="fr-FR" smtClean="0"/>
-              <a:t>23/03/13</a:t>
+              <a:t>28/03/13</a:t>
             </a:fld>
             <a:endParaRPr lang="fr-FR"/>
           </a:p>
@@ -1880,11 +1880,11 @@
   <p:clrMapOvr>
     <a:masterClrMapping/>
   </p:clrMapOvr>
-  <mc:AlternateContent xmlns:mc="http://schemas.openxmlformats.org/markup-compatibility/2006">
-    <mc:Choice xmlns:p14="http://schemas.microsoft.com/office/powerpoint/2010/main" Requires="p14">
+  <mc:AlternateContent xmlns:mc="http://schemas.openxmlformats.org/markup-compatibility/2006" xmlns:p14="http://schemas.microsoft.com/office/powerpoint/2010/main">
+    <mc:Choice Requires="p14">
       <p:transition p14:dur="0"/>
     </mc:Choice>
-    <mc:Fallback>
+    <mc:Fallback xmlns="">
       <p:transition xmlns:p14="http://schemas.microsoft.com/office/powerpoint/2010/main"/>
     </mc:Fallback>
   </mc:AlternateContent>
@@ -2060,7 +2060,7 @@
           <a:p>
             <a:fld id="{5E94B75A-51E9-442C-89DB-B5F3B749F271}" type="datetimeFigureOut">
               <a:rPr lang="fr-FR" smtClean="0"/>
-              <a:t>23/03/13</a:t>
+              <a:t>28/03/13</a:t>
             </a:fld>
             <a:endParaRPr lang="fr-FR"/>
           </a:p>
@@ -2252,11 +2252,11 @@
   <p:clrMapOvr>
     <a:masterClrMapping/>
   </p:clrMapOvr>
-  <mc:AlternateContent xmlns:mc="http://schemas.openxmlformats.org/markup-compatibility/2006">
-    <mc:Choice xmlns:p14="http://schemas.microsoft.com/office/powerpoint/2010/main" Requires="p14">
+  <mc:AlternateContent xmlns:mc="http://schemas.openxmlformats.org/markup-compatibility/2006" xmlns:p14="http://schemas.microsoft.com/office/powerpoint/2010/main">
+    <mc:Choice Requires="p14">
       <p:transition p14:dur="0"/>
     </mc:Choice>
-    <mc:Fallback>
+    <mc:Fallback xmlns="">
       <p:transition xmlns:p14="http://schemas.microsoft.com/office/powerpoint/2010/main"/>
     </mc:Fallback>
   </mc:AlternateContent>
@@ -2393,7 +2393,7 @@
           <a:p>
             <a:fld id="{5E94B75A-51E9-442C-89DB-B5F3B749F271}" type="datetimeFigureOut">
               <a:rPr lang="fr-FR" smtClean="0"/>
-              <a:t>23/03/13</a:t>
+              <a:t>28/03/13</a:t>
             </a:fld>
             <a:endParaRPr lang="fr-FR"/>
           </a:p>
@@ -2446,11 +2446,11 @@
   <p:clrMapOvr>
     <a:masterClrMapping/>
   </p:clrMapOvr>
-  <mc:AlternateContent xmlns:mc="http://schemas.openxmlformats.org/markup-compatibility/2006">
-    <mc:Choice xmlns:p14="http://schemas.microsoft.com/office/powerpoint/2010/main" Requires="p14">
+  <mc:AlternateContent xmlns:mc="http://schemas.openxmlformats.org/markup-compatibility/2006" xmlns:p14="http://schemas.microsoft.com/office/powerpoint/2010/main">
+    <mc:Choice Requires="p14">
       <p:transition p14:dur="0"/>
     </mc:Choice>
-    <mc:Fallback>
+    <mc:Fallback xmlns="">
       <p:transition xmlns:p14="http://schemas.microsoft.com/office/powerpoint/2010/main"/>
     </mc:Fallback>
   </mc:AlternateContent>
@@ -2594,7 +2594,7 @@
           <a:p>
             <a:fld id="{5E94B75A-51E9-442C-89DB-B5F3B749F271}" type="datetimeFigureOut">
               <a:rPr lang="fr-FR" smtClean="0"/>
-              <a:t>23/03/13</a:t>
+              <a:t>28/03/13</a:t>
             </a:fld>
             <a:endParaRPr lang="fr-FR"/>
           </a:p>
@@ -2647,11 +2647,11 @@
   <p:clrMapOvr>
     <a:masterClrMapping/>
   </p:clrMapOvr>
-  <mc:AlternateContent xmlns:mc="http://schemas.openxmlformats.org/markup-compatibility/2006">
-    <mc:Choice xmlns:p14="http://schemas.microsoft.com/office/powerpoint/2010/main" Requires="p14">
+  <mc:AlternateContent xmlns:mc="http://schemas.openxmlformats.org/markup-compatibility/2006" xmlns:p14="http://schemas.microsoft.com/office/powerpoint/2010/main">
+    <mc:Choice Requires="p14">
       <p:transition p14:dur="0"/>
     </mc:Choice>
-    <mc:Fallback>
+    <mc:Fallback xmlns="">
       <p:transition xmlns:p14="http://schemas.microsoft.com/office/powerpoint/2010/main"/>
     </mc:Fallback>
   </mc:AlternateContent>
@@ -2706,7 +2706,7 @@
           <a:p>
             <a:fld id="{5E94B75A-51E9-442C-89DB-B5F3B749F271}" type="datetimeFigureOut">
               <a:rPr lang="fr-FR" smtClean="0"/>
-              <a:t>23/03/13</a:t>
+              <a:t>28/03/13</a:t>
             </a:fld>
             <a:endParaRPr lang="fr-FR"/>
           </a:p>
@@ -2759,11 +2759,11 @@
   <p:clrMapOvr>
     <a:overrideClrMapping bg1="lt1" tx1="dk1" bg2="lt2" tx2="dk2" accent1="accent1" accent2="accent2" accent3="accent3" accent4="accent4" accent5="accent5" accent6="accent6" hlink="hlink" folHlink="folHlink"/>
   </p:clrMapOvr>
-  <mc:AlternateContent xmlns:mc="http://schemas.openxmlformats.org/markup-compatibility/2006">
-    <mc:Choice xmlns:p14="http://schemas.microsoft.com/office/powerpoint/2010/main" Requires="p14">
+  <mc:AlternateContent xmlns:mc="http://schemas.openxmlformats.org/markup-compatibility/2006" xmlns:p14="http://schemas.microsoft.com/office/powerpoint/2010/main">
+    <mc:Choice Requires="p14">
       <p:transition p14:dur="0"/>
     </mc:Choice>
-    <mc:Fallback>
+    <mc:Fallback xmlns="">
       <p:transition xmlns:p14="http://schemas.microsoft.com/office/powerpoint/2010/main"/>
     </mc:Fallback>
   </mc:AlternateContent>
@@ -2883,7 +2883,7 @@
           <a:p>
             <a:fld id="{5E94B75A-51E9-442C-89DB-B5F3B749F271}" type="datetimeFigureOut">
               <a:rPr lang="fr-FR" smtClean="0"/>
-              <a:t>23/03/13</a:t>
+              <a:t>28/03/13</a:t>
             </a:fld>
             <a:endParaRPr lang="fr-FR"/>
           </a:p>
@@ -2936,11 +2936,11 @@
   <p:clrMapOvr>
     <a:masterClrMapping/>
   </p:clrMapOvr>
-  <mc:AlternateContent xmlns:mc="http://schemas.openxmlformats.org/markup-compatibility/2006">
-    <mc:Choice xmlns:p14="http://schemas.microsoft.com/office/powerpoint/2010/main" Requires="p14">
+  <mc:AlternateContent xmlns:mc="http://schemas.openxmlformats.org/markup-compatibility/2006" xmlns:p14="http://schemas.microsoft.com/office/powerpoint/2010/main">
+    <mc:Choice Requires="p14">
       <p:transition p14:dur="0"/>
     </mc:Choice>
-    <mc:Fallback>
+    <mc:Fallback xmlns="">
       <p:transition xmlns:p14="http://schemas.microsoft.com/office/powerpoint/2010/main"/>
     </mc:Fallback>
   </mc:AlternateContent>
@@ -3156,7 +3156,7 @@
             <a:fld id="{BAD22427-B1DD-49E6-9F05-DE0F1467D7DC}" type="datetime4">
               <a:rPr lang="en-US" smtClean="0"/>
               <a:pPr/>
-              <a:t>March 23, 2013</a:t>
+              <a:t>March 28, 2013</a:t>
             </a:fld>
             <a:endParaRPr lang="en-US"/>
           </a:p>
@@ -3256,11 +3256,11 @@
   <p:clrMapOvr>
     <a:masterClrMapping/>
   </p:clrMapOvr>
-  <mc:AlternateContent xmlns:mc="http://schemas.openxmlformats.org/markup-compatibility/2006">
-    <mc:Choice xmlns:p14="http://schemas.microsoft.com/office/powerpoint/2010/main" Requires="p14">
+  <mc:AlternateContent xmlns:mc="http://schemas.openxmlformats.org/markup-compatibility/2006" xmlns:p14="http://schemas.microsoft.com/office/powerpoint/2010/main">
+    <mc:Choice Requires="p14">
       <p:transition p14:dur="0"/>
     </mc:Choice>
-    <mc:Fallback>
+    <mc:Fallback xmlns="">
       <p:transition xmlns:p14="http://schemas.microsoft.com/office/powerpoint/2010/main"/>
     </mc:Fallback>
   </mc:AlternateContent>
@@ -3498,7 +3498,7 @@
           <a:p>
             <a:fld id="{5E94B75A-51E9-442C-89DB-B5F3B749F271}" type="datetimeFigureOut">
               <a:rPr lang="fr-FR" smtClean="0"/>
-              <a:t>23/03/13</a:t>
+              <a:t>28/03/13</a:t>
             </a:fld>
             <a:endParaRPr lang="fr-FR"/>
           </a:p>
@@ -3551,11 +3551,11 @@
   <p:clrMapOvr>
     <a:masterClrMapping/>
   </p:clrMapOvr>
-  <mc:AlternateContent xmlns:mc="http://schemas.openxmlformats.org/markup-compatibility/2006">
-    <mc:Choice xmlns:p14="http://schemas.microsoft.com/office/powerpoint/2010/main" Requires="p14">
+  <mc:AlternateContent xmlns:mc="http://schemas.openxmlformats.org/markup-compatibility/2006" xmlns:p14="http://schemas.microsoft.com/office/powerpoint/2010/main">
+    <mc:Choice Requires="p14">
       <p:transition p14:dur="0"/>
     </mc:Choice>
-    <mc:Fallback>
+    <mc:Fallback xmlns="">
       <p:transition xmlns:p14="http://schemas.microsoft.com/office/powerpoint/2010/main"/>
     </mc:Fallback>
   </mc:AlternateContent>
@@ -3947,7 +3947,7 @@
           <a:p>
             <a:fld id="{5E94B75A-51E9-442C-89DB-B5F3B749F271}" type="datetimeFigureOut">
               <a:rPr lang="fr-FR" smtClean="0"/>
-              <a:t>23/03/13</a:t>
+              <a:t>28/03/13</a:t>
             </a:fld>
             <a:endParaRPr lang="fr-FR"/>
           </a:p>
@@ -4000,11 +4000,11 @@
   <p:clrMapOvr>
     <a:masterClrMapping/>
   </p:clrMapOvr>
-  <mc:AlternateContent xmlns:mc="http://schemas.openxmlformats.org/markup-compatibility/2006">
-    <mc:Choice xmlns:p14="http://schemas.microsoft.com/office/powerpoint/2010/main" Requires="p14">
+  <mc:AlternateContent xmlns:mc="http://schemas.openxmlformats.org/markup-compatibility/2006" xmlns:p14="http://schemas.microsoft.com/office/powerpoint/2010/main">
+    <mc:Choice Requires="p14">
       <p:transition p14:dur="0"/>
     </mc:Choice>
-    <mc:Fallback>
+    <mc:Fallback xmlns="">
       <p:transition xmlns:p14="http://schemas.microsoft.com/office/powerpoint/2010/main"/>
     </mc:Fallback>
   </mc:AlternateContent>
@@ -4153,7 +4153,7 @@
           <a:p>
             <a:fld id="{5E94B75A-51E9-442C-89DB-B5F3B749F271}" type="datetimeFigureOut">
               <a:rPr lang="fr-FR" smtClean="0"/>
-              <a:t>23/03/13</a:t>
+              <a:t>28/03/13</a:t>
             </a:fld>
             <a:endParaRPr lang="fr-FR"/>
           </a:p>
@@ -4291,11 +4291,11 @@
   <p:clrMapOvr>
     <a:masterClrMapping/>
   </p:clrMapOvr>
-  <mc:AlternateContent xmlns:mc="http://schemas.openxmlformats.org/markup-compatibility/2006">
-    <mc:Choice xmlns:p14="http://schemas.microsoft.com/office/powerpoint/2010/main" Requires="p14">
+  <mc:AlternateContent xmlns:mc="http://schemas.openxmlformats.org/markup-compatibility/2006" xmlns:p14="http://schemas.microsoft.com/office/powerpoint/2010/main">
+    <mc:Choice Requires="p14">
       <p:transition p14:dur="0"/>
     </mc:Choice>
-    <mc:Fallback>
+    <mc:Fallback xmlns="">
       <p:transition xmlns:p14="http://schemas.microsoft.com/office/powerpoint/2010/main"/>
     </mc:Fallback>
   </mc:AlternateContent>
@@ -4444,7 +4444,7 @@
           <a:p>
             <a:fld id="{5E94B75A-51E9-442C-89DB-B5F3B749F271}" type="datetimeFigureOut">
               <a:rPr lang="fr-FR" smtClean="0"/>
-              <a:t>23/03/13</a:t>
+              <a:t>28/03/13</a:t>
             </a:fld>
             <a:endParaRPr lang="fr-FR"/>
           </a:p>
@@ -4667,11 +4667,11 @@
   <p:clrMapOvr>
     <a:masterClrMapping/>
   </p:clrMapOvr>
-  <mc:AlternateContent xmlns:mc="http://schemas.openxmlformats.org/markup-compatibility/2006">
-    <mc:Choice xmlns:p14="http://schemas.microsoft.com/office/powerpoint/2010/main" Requires="p14">
+  <mc:AlternateContent xmlns:mc="http://schemas.openxmlformats.org/markup-compatibility/2006" xmlns:p14="http://schemas.microsoft.com/office/powerpoint/2010/main">
+    <mc:Choice Requires="p14">
       <p:transition p14:dur="0"/>
     </mc:Choice>
-    <mc:Fallback>
+    <mc:Fallback xmlns="">
       <p:transition xmlns:p14="http://schemas.microsoft.com/office/powerpoint/2010/main"/>
     </mc:Fallback>
   </mc:AlternateContent>
@@ -4820,7 +4820,7 @@
           <a:p>
             <a:fld id="{5E94B75A-51E9-442C-89DB-B5F3B749F271}" type="datetimeFigureOut">
               <a:rPr lang="fr-FR" smtClean="0"/>
-              <a:t>23/03/13</a:t>
+              <a:t>28/03/13</a:t>
             </a:fld>
             <a:endParaRPr lang="fr-FR"/>
           </a:p>
@@ -5256,11 +5256,11 @@
   <p:clrMapOvr>
     <a:masterClrMapping/>
   </p:clrMapOvr>
-  <mc:AlternateContent xmlns:mc="http://schemas.openxmlformats.org/markup-compatibility/2006">
-    <mc:Choice xmlns:p14="http://schemas.microsoft.com/office/powerpoint/2010/main" Requires="p14">
+  <mc:AlternateContent xmlns:mc="http://schemas.openxmlformats.org/markup-compatibility/2006" xmlns:p14="http://schemas.microsoft.com/office/powerpoint/2010/main">
+    <mc:Choice Requires="p14">
       <p:transition p14:dur="0"/>
     </mc:Choice>
-    <mc:Fallback>
+    <mc:Fallback xmlns="">
       <p:transition xmlns:p14="http://schemas.microsoft.com/office/powerpoint/2010/main"/>
     </mc:Fallback>
   </mc:AlternateContent>
@@ -5324,7 +5324,7 @@
           <a:p>
             <a:fld id="{5E94B75A-51E9-442C-89DB-B5F3B749F271}" type="datetimeFigureOut">
               <a:rPr lang="fr-FR" smtClean="0"/>
-              <a:t>23/03/13</a:t>
+              <a:t>28/03/13</a:t>
             </a:fld>
             <a:endParaRPr lang="fr-FR"/>
           </a:p>
@@ -5377,11 +5377,11 @@
   <p:clrMapOvr>
     <a:masterClrMapping/>
   </p:clrMapOvr>
-  <mc:AlternateContent xmlns:mc="http://schemas.openxmlformats.org/markup-compatibility/2006">
-    <mc:Choice xmlns:p14="http://schemas.microsoft.com/office/powerpoint/2010/main" Requires="p14">
+  <mc:AlternateContent xmlns:mc="http://schemas.openxmlformats.org/markup-compatibility/2006" xmlns:p14="http://schemas.microsoft.com/office/powerpoint/2010/main">
+    <mc:Choice Requires="p14">
       <p:transition p14:dur="0"/>
     </mc:Choice>
-    <mc:Fallback>
+    <mc:Fallback xmlns="">
       <p:transition xmlns:p14="http://schemas.microsoft.com/office/powerpoint/2010/main"/>
     </mc:Fallback>
   </mc:AlternateContent>
@@ -5541,7 +5541,7 @@
           <a:p>
             <a:fld id="{5E94B75A-51E9-442C-89DB-B5F3B749F271}" type="datetimeFigureOut">
               <a:rPr lang="fr-FR" smtClean="0"/>
-              <a:t>23/03/13</a:t>
+              <a:t>28/03/13</a:t>
             </a:fld>
             <a:endParaRPr lang="fr-FR"/>
           </a:p>
@@ -5648,11 +5648,11 @@
     <p:sldLayoutId id="2147484130" r:id="rId15"/>
     <p:sldLayoutId id="2147484131" r:id="rId16"/>
   </p:sldLayoutIdLst>
-  <mc:AlternateContent xmlns:mc="http://schemas.openxmlformats.org/markup-compatibility/2006">
-    <mc:Choice xmlns:p14="http://schemas.microsoft.com/office/powerpoint/2010/main" Requires="p14">
+  <mc:AlternateContent xmlns:mc="http://schemas.openxmlformats.org/markup-compatibility/2006" xmlns:p14="http://schemas.microsoft.com/office/powerpoint/2010/main">
+    <mc:Choice Requires="p14">
       <p:transition p14:dur="0"/>
     </mc:Choice>
-    <mc:Fallback>
+    <mc:Fallback xmlns="">
       <p:transition xmlns:p14="http://schemas.microsoft.com/office/powerpoint/2010/main"/>
     </mc:Fallback>
   </mc:AlternateContent>
@@ -6033,13 +6033,6 @@
               </a:rPr>
               <a:t>L3O2 Group</a:t>
             </a:r>
-            <a:endParaRPr lang="fr-FR" dirty="0" smtClean="0">
-              <a:solidFill>
-                <a:schemeClr val="bg2">
-                  <a:lumMod val="90000"/>
-                </a:schemeClr>
-              </a:solidFill>
-            </a:endParaRPr>
           </a:p>
           <a:p>
             <a:r>
@@ -6202,22 +6195,14 @@
             <a:pPr algn="ctr"/>
             <a:r>
               <a:rPr lang="fr-FR" dirty="0" smtClean="0"/>
-              <a:t>Université Paris </a:t>
-            </a:r>
+              <a:t>Université Paris Descartes</a:t>
+            </a:r>
+          </a:p>
+          <a:p>
+            <a:pPr algn="ctr"/>
             <a:r>
               <a:rPr lang="fr-FR" dirty="0" smtClean="0"/>
-              <a:t>Descartes</a:t>
-            </a:r>
-          </a:p>
-          <a:p>
-            <a:pPr algn="ctr"/>
-            <a:r>
-              <a:rPr lang="fr-FR" dirty="0" smtClean="0"/>
-              <a:t>2012</a:t>
-            </a:r>
-            <a:r>
-              <a:rPr lang="fr-FR" dirty="0" smtClean="0"/>
-              <a:t>-2013</a:t>
+              <a:t>2012-2013</a:t>
             </a:r>
             <a:endParaRPr lang="fr-FR" dirty="0"/>
           </a:p>
@@ -6263,11 +6248,11 @@
   <p:clrMapOvr>
     <a:masterClrMapping/>
   </p:clrMapOvr>
-  <mc:AlternateContent xmlns:mc="http://schemas.openxmlformats.org/markup-compatibility/2006">
-    <mc:Choice xmlns:p14="http://schemas.microsoft.com/office/powerpoint/2010/main" Requires="p14">
+  <mc:AlternateContent xmlns:mc="http://schemas.openxmlformats.org/markup-compatibility/2006" xmlns:p14="http://schemas.microsoft.com/office/powerpoint/2010/main">
+    <mc:Choice Requires="p14">
       <p:transition p14:dur="0"/>
     </mc:Choice>
-    <mc:Fallback>
+    <mc:Fallback xmlns="">
       <p:transition xmlns:p14="http://schemas.microsoft.com/office/powerpoint/2010/main"/>
     </mc:Fallback>
   </mc:AlternateContent>
@@ -6323,7 +6308,7 @@
       </p:sp>
       <p:sp>
         <p:nvSpPr>
-          <p:cNvPr id="3" name="Text Placeholder 2"/>
+          <p:cNvPr id="4" name="Text Placeholder 3"/>
           <p:cNvSpPr>
             <a:spLocks noGrp="1"/>
           </p:cNvSpPr>
@@ -6336,11 +6321,7 @@
           <a:bodyPr/>
           <a:lstStyle/>
           <a:p>
-            <a:r>
-              <a:rPr lang="en-US" dirty="0" smtClean="0"/>
-              <a:t>In this section we will introduce project basics</a:t>
-            </a:r>
-            <a:endParaRPr lang="en-US" dirty="0"/>
+            <a:endParaRPr lang="en-US"/>
           </a:p>
         </p:txBody>
       </p:sp>
@@ -6354,11 +6335,11 @@
   <p:clrMapOvr>
     <a:masterClrMapping/>
   </p:clrMapOvr>
-  <mc:AlternateContent xmlns:mc="http://schemas.openxmlformats.org/markup-compatibility/2006">
-    <mc:Choice xmlns:p14="http://schemas.microsoft.com/office/powerpoint/2010/main" Requires="p14">
+  <mc:AlternateContent xmlns:mc="http://schemas.openxmlformats.org/markup-compatibility/2006" xmlns:p14="http://schemas.microsoft.com/office/powerpoint/2010/main">
+    <mc:Choice Requires="p14">
       <p:transition p14:dur="0"/>
     </mc:Choice>
-    <mc:Fallback>
+    <mc:Fallback xmlns="">
       <p:transition xmlns:p14="http://schemas.microsoft.com/office/powerpoint/2010/main"/>
     </mc:Fallback>
   </mc:AlternateContent>
@@ -6486,35 +6467,49 @@
                   <a:schemeClr val="tx2"/>
                 </a:solidFill>
               </a:rPr>
-              <a:t>Short </a:t>
-            </a:r>
-            <a:r>
-              <a:rPr lang="en-US" sz="2000" dirty="0">
+              <a:t>Development</a:t>
+            </a:r>
+          </a:p>
+          <a:p>
+            <a:pPr lvl="1"/>
+            <a:r>
+              <a:rPr lang="en-US" sz="1800" dirty="0" smtClean="0">
                 <a:solidFill>
                   <a:schemeClr val="tx2"/>
                 </a:solidFill>
               </a:rPr>
-              <a:t>history on technologies and </a:t>
-            </a:r>
-            <a:r>
-              <a:rPr lang="en-US" sz="2000" dirty="0" smtClean="0">
+              <a:t>How it Works</a:t>
+            </a:r>
+          </a:p>
+          <a:p>
+            <a:pPr lvl="1"/>
+            <a:r>
+              <a:rPr lang="en-US" sz="1800" dirty="0" smtClean="0">
                 <a:solidFill>
                   <a:schemeClr val="tx2"/>
                 </a:solidFill>
               </a:rPr>
-              <a:t>languages</a:t>
-            </a:r>
-          </a:p>
-          <a:p>
-            <a:r>
-              <a:rPr lang="en-US" sz="2000" dirty="0" smtClean="0">
+              <a:t>Overcoming problems</a:t>
+            </a:r>
+          </a:p>
+          <a:p>
+            <a:r>
+              <a:rPr lang="en-US" smtClean="0">
                 <a:solidFill>
                   <a:schemeClr val="tx2"/>
                 </a:solidFill>
               </a:rPr>
-              <a:t>…</a:t>
-            </a:r>
-            <a:endParaRPr lang="en-US" sz="2000" dirty="0">
+              <a:t>Conclusion</a:t>
+            </a:r>
+            <a:endParaRPr lang="en-US" dirty="0">
+              <a:solidFill>
+                <a:schemeClr val="tx2"/>
+              </a:solidFill>
+            </a:endParaRPr>
+          </a:p>
+          <a:p>
+            <a:pPr lvl="1"/>
+            <a:endParaRPr lang="en-US" sz="1800" dirty="0" smtClean="0">
               <a:solidFill>
                 <a:schemeClr val="tx2"/>
               </a:solidFill>
@@ -6532,11 +6527,11 @@
   <p:clrMapOvr>
     <a:masterClrMapping/>
   </p:clrMapOvr>
-  <mc:AlternateContent xmlns:mc="http://schemas.openxmlformats.org/markup-compatibility/2006">
-    <mc:Choice xmlns:p14="http://schemas.microsoft.com/office/powerpoint/2010/main" Requires="p14">
+  <mc:AlternateContent xmlns:mc="http://schemas.openxmlformats.org/markup-compatibility/2006" xmlns:p14="http://schemas.microsoft.com/office/powerpoint/2010/main">
+    <mc:Choice Requires="p14">
       <p:transition p14:dur="0"/>
     </mc:Choice>
-    <mc:Fallback>
+    <mc:Fallback xmlns="">
       <p:transition xmlns:p14="http://schemas.microsoft.com/office/powerpoint/2010/main"/>
     </mc:Fallback>
   </mc:AlternateContent>
@@ -6630,11 +6625,11 @@
   <p:clrMapOvr>
     <a:masterClrMapping/>
   </p:clrMapOvr>
-  <mc:AlternateContent xmlns:mc="http://schemas.openxmlformats.org/markup-compatibility/2006">
-    <mc:Choice xmlns:p14="http://schemas.microsoft.com/office/powerpoint/2010/main" Requires="p14">
+  <mc:AlternateContent xmlns:mc="http://schemas.openxmlformats.org/markup-compatibility/2006" xmlns:p14="http://schemas.microsoft.com/office/powerpoint/2010/main">
+    <mc:Choice Requires="p14">
       <p:transition p14:dur="0"/>
     </mc:Choice>
-    <mc:Fallback>
+    <mc:Fallback xmlns="">
       <p:transition xmlns:p14="http://schemas.microsoft.com/office/powerpoint/2010/main"/>
     </mc:Fallback>
   </mc:AlternateContent>
@@ -6957,11 +6952,11 @@
   <p:clrMapOvr>
     <a:masterClrMapping/>
   </p:clrMapOvr>
-  <mc:AlternateContent xmlns:mc="http://schemas.openxmlformats.org/markup-compatibility/2006">
-    <mc:Choice xmlns:p14="http://schemas.microsoft.com/office/powerpoint/2010/main" Requires="p14">
+  <mc:AlternateContent xmlns:mc="http://schemas.openxmlformats.org/markup-compatibility/2006" xmlns:p14="http://schemas.microsoft.com/office/powerpoint/2010/main">
+    <mc:Choice Requires="p14">
       <p:transition p14:dur="0"/>
     </mc:Choice>
-    <mc:Fallback>
+    <mc:Fallback xmlns="">
       <p:transition xmlns:p14="http://schemas.microsoft.com/office/powerpoint/2010/main"/>
     </mc:Fallback>
   </mc:AlternateContent>
@@ -6994,306 +6989,6 @@
       </p:grpSpPr>
       <p:sp>
         <p:nvSpPr>
-          <p:cNvPr id="5" name="Title 4"/>
-          <p:cNvSpPr>
-            <a:spLocks noGrp="1"/>
-          </p:cNvSpPr>
-          <p:nvPr>
-            <p:ph type="title"/>
-          </p:nvPr>
-        </p:nvSpPr>
-        <p:spPr/>
-        <p:txBody>
-          <a:bodyPr anchor="ctr"/>
-          <a:lstStyle/>
-          <a:p>
-            <a:pPr algn="ctr"/>
-            <a:r>
-              <a:rPr lang="en-US" dirty="0" smtClean="0"/>
-              <a:t>Conclusion</a:t>
-            </a:r>
-            <a:endParaRPr lang="en-US" dirty="0"/>
-          </a:p>
-        </p:txBody>
-      </p:sp>
-      <p:sp>
-        <p:nvSpPr>
-          <p:cNvPr id="6" name="Text Placeholder 5"/>
-          <p:cNvSpPr>
-            <a:spLocks noGrp="1"/>
-          </p:cNvSpPr>
-          <p:nvPr>
-            <p:ph type="body" idx="1"/>
-          </p:nvPr>
-        </p:nvSpPr>
-        <p:spPr>
-          <a:solidFill>
-            <a:srgbClr val="00B500"/>
-          </a:solidFill>
-          <a:ln>
-            <a:solidFill>
-              <a:srgbClr val="008000"/>
-            </a:solidFill>
-          </a:ln>
-        </p:spPr>
-        <p:style>
-          <a:lnRef idx="1">
-            <a:schemeClr val="accent1"/>
-          </a:lnRef>
-          <a:fillRef idx="3">
-            <a:schemeClr val="accent1"/>
-          </a:fillRef>
-          <a:effectRef idx="2">
-            <a:schemeClr val="accent1"/>
-          </a:effectRef>
-          <a:fontRef idx="minor">
-            <a:schemeClr val="lt1"/>
-          </a:fontRef>
-        </p:style>
-        <p:txBody>
-          <a:bodyPr/>
-          <a:lstStyle/>
-          <a:p>
-            <a:r>
-              <a:rPr lang="en-US" dirty="0" smtClean="0">
-                <a:solidFill>
-                  <a:srgbClr val="103154"/>
-                </a:solidFill>
-              </a:rPr>
-              <a:t>Pros</a:t>
-            </a:r>
-            <a:endParaRPr lang="en-US" dirty="0">
-              <a:solidFill>
-                <a:srgbClr val="103154"/>
-              </a:solidFill>
-            </a:endParaRPr>
-          </a:p>
-        </p:txBody>
-      </p:sp>
-      <p:sp>
-        <p:nvSpPr>
-          <p:cNvPr id="7" name="Content Placeholder 6"/>
-          <p:cNvSpPr>
-            <a:spLocks noGrp="1"/>
-          </p:cNvSpPr>
-          <p:nvPr>
-            <p:ph sz="half" idx="2"/>
-          </p:nvPr>
-        </p:nvSpPr>
-        <p:spPr>
-          <a:solidFill>
-            <a:srgbClr val="00B500">
-              <a:alpha val="20000"/>
-            </a:srgbClr>
-          </a:solidFill>
-        </p:spPr>
-        <p:txBody>
-          <a:bodyPr/>
-          <a:lstStyle/>
-          <a:p>
-            <a:pPr marL="457200" indent="-457200">
-              <a:buFont typeface="Arial" panose="020B0604020202020204" pitchFamily="34" charset="0"/>
-              <a:buChar char="•"/>
-            </a:pPr>
-            <a:r>
-              <a:rPr lang="en-US" dirty="0"/>
-              <a:t>New Technologies and </a:t>
-            </a:r>
-            <a:r>
-              <a:rPr lang="en-US" dirty="0" smtClean="0"/>
-              <a:t>languages</a:t>
-            </a:r>
-          </a:p>
-          <a:p>
-            <a:pPr marL="457200" indent="-457200">
-              <a:buFont typeface="Arial" panose="020B0604020202020204" pitchFamily="34" charset="0"/>
-              <a:buChar char="•"/>
-            </a:pPr>
-            <a:r>
-              <a:rPr lang="en-US" dirty="0" smtClean="0"/>
-              <a:t>Group Work</a:t>
-            </a:r>
-          </a:p>
-          <a:p>
-            <a:pPr marL="457200" indent="-457200">
-              <a:buFont typeface="Arial" panose="020B0604020202020204" pitchFamily="34" charset="0"/>
-              <a:buChar char="•"/>
-            </a:pPr>
-            <a:r>
-              <a:rPr lang="en-US" dirty="0" smtClean="0"/>
-              <a:t>Interest in further more</a:t>
-            </a:r>
-            <a:endParaRPr lang="en-US" dirty="0" smtClean="0">
-              <a:solidFill>
-                <a:srgbClr val="000000"/>
-              </a:solidFill>
-              <a:latin typeface="Constantia"/>
-            </a:endParaRPr>
-          </a:p>
-          <a:p>
-            <a:pPr marL="0" indent="0">
-              <a:buNone/>
-            </a:pPr>
-            <a:endParaRPr lang="en-US" dirty="0" smtClean="0">
-              <a:solidFill>
-                <a:srgbClr val="000000"/>
-              </a:solidFill>
-              <a:latin typeface="Constantia"/>
-            </a:endParaRPr>
-          </a:p>
-          <a:p>
-            <a:endParaRPr lang="en-US" dirty="0"/>
-          </a:p>
-        </p:txBody>
-      </p:sp>
-      <p:sp>
-        <p:nvSpPr>
-          <p:cNvPr id="8" name="Text Placeholder 7"/>
-          <p:cNvSpPr>
-            <a:spLocks noGrp="1"/>
-          </p:cNvSpPr>
-          <p:nvPr>
-            <p:ph type="body" sz="quarter" idx="3"/>
-          </p:nvPr>
-        </p:nvSpPr>
-        <p:spPr>
-          <a:solidFill>
-            <a:srgbClr val="B90000">
-              <a:alpha val="80000"/>
-            </a:srgbClr>
-          </a:solidFill>
-          <a:ln>
-            <a:solidFill>
-              <a:srgbClr val="800000"/>
-            </a:solidFill>
-          </a:ln>
-        </p:spPr>
-        <p:style>
-          <a:lnRef idx="1">
-            <a:schemeClr val="accent6"/>
-          </a:lnRef>
-          <a:fillRef idx="3">
-            <a:schemeClr val="accent6"/>
-          </a:fillRef>
-          <a:effectRef idx="2">
-            <a:schemeClr val="accent6"/>
-          </a:effectRef>
-          <a:fontRef idx="minor">
-            <a:schemeClr val="lt1"/>
-          </a:fontRef>
-        </p:style>
-        <p:txBody>
-          <a:bodyPr/>
-          <a:lstStyle/>
-          <a:p>
-            <a:r>
-              <a:rPr lang="en-US" dirty="0" smtClean="0">
-                <a:solidFill>
-                  <a:schemeClr val="tx1"/>
-                </a:solidFill>
-              </a:rPr>
-              <a:t>Cons</a:t>
-            </a:r>
-            <a:endParaRPr lang="en-US" dirty="0">
-              <a:solidFill>
-                <a:schemeClr val="tx1"/>
-              </a:solidFill>
-            </a:endParaRPr>
-          </a:p>
-        </p:txBody>
-      </p:sp>
-      <p:sp>
-        <p:nvSpPr>
-          <p:cNvPr id="9" name="Content Placeholder 8"/>
-          <p:cNvSpPr>
-            <a:spLocks noGrp="1"/>
-          </p:cNvSpPr>
-          <p:nvPr>
-            <p:ph sz="quarter" idx="4"/>
-          </p:nvPr>
-        </p:nvSpPr>
-        <p:spPr>
-          <a:solidFill>
-            <a:srgbClr val="FF0000">
-              <a:alpha val="20000"/>
-            </a:srgbClr>
-          </a:solidFill>
-        </p:spPr>
-        <p:txBody>
-          <a:bodyPr/>
-          <a:lstStyle/>
-          <a:p>
-            <a:pPr marL="457200" indent="-457200">
-              <a:buFont typeface="Arial" panose="020B0604020202020204" pitchFamily="34" charset="0"/>
-              <a:buChar char="•"/>
-            </a:pPr>
-            <a:r>
-              <a:rPr lang="en-US" dirty="0"/>
-              <a:t>Organization</a:t>
-            </a:r>
-          </a:p>
-          <a:p>
-            <a:pPr marL="457200" indent="-457200">
-              <a:buFont typeface="Arial" panose="020B0604020202020204" pitchFamily="34" charset="0"/>
-              <a:buChar char="•"/>
-            </a:pPr>
-            <a:r>
-              <a:rPr lang="en-US" dirty="0"/>
-              <a:t>Meeting</a:t>
-            </a:r>
-          </a:p>
-          <a:p>
-            <a:endParaRPr lang="en-US" dirty="0"/>
-          </a:p>
-        </p:txBody>
-      </p:sp>
-    </p:spTree>
-    <p:extLst>
-      <p:ext uri="{BB962C8B-B14F-4D97-AF65-F5344CB8AC3E}">
-        <p14:creationId xmlns:p14="http://schemas.microsoft.com/office/powerpoint/2010/main" val="2175042227"/>
-      </p:ext>
-    </p:extLst>
-  </p:cSld>
-  <p:clrMapOvr>
-    <a:masterClrMapping/>
-  </p:clrMapOvr>
-  <mc:AlternateContent xmlns:mc="http://schemas.openxmlformats.org/markup-compatibility/2006">
-    <mc:Choice xmlns:p14="http://schemas.microsoft.com/office/powerpoint/2010/main" Requires="p14">
-      <p:transition p14:dur="0"/>
-    </mc:Choice>
-    <mc:Fallback>
-      <p:transition xmlns:p14="http://schemas.microsoft.com/office/powerpoint/2010/main"/>
-    </mc:Fallback>
-  </mc:AlternateContent>
-  <p:timing>
-    <p:tnLst>
-      <p:par>
-        <p:cTn xmlns:p14="http://schemas.microsoft.com/office/powerpoint/2010/main" id="1" dur="indefinite" restart="never" nodeType="tmRoot"/>
-      </p:par>
-    </p:tnLst>
-  </p:timing>
-</p:sld>
-</file>
-
-<file path=ppt/slides/slide7.xml><?xml version="1.0" encoding="utf-8"?>
-<p:sld xmlns:a="http://schemas.openxmlformats.org/drawingml/2006/main" xmlns:r="http://schemas.openxmlformats.org/officeDocument/2006/relationships" xmlns:p="http://schemas.openxmlformats.org/presentationml/2006/main">
-  <p:cSld>
-    <p:spTree>
-      <p:nvGrpSpPr>
-        <p:cNvPr id="1" name=""/>
-        <p:cNvGrpSpPr/>
-        <p:nvPr/>
-      </p:nvGrpSpPr>
-      <p:grpSpPr>
-        <a:xfrm>
-          <a:off x="0" y="0"/>
-          <a:ext cx="0" cy="0"/>
-          <a:chOff x="0" y="0"/>
-          <a:chExt cx="0" cy="0"/>
-        </a:xfrm>
-      </p:grpSpPr>
-      <p:sp>
-        <p:nvSpPr>
           <p:cNvPr id="2" name="Titre 1"/>
           <p:cNvSpPr>
             <a:spLocks noGrp="1"/>
@@ -7316,11 +7011,6 @@
               </a:rPr>
               <a:t>How It Works</a:t>
             </a:r>
-            <a:endParaRPr lang="fr-FR" b="1" dirty="0" smtClean="0">
-              <a:solidFill>
-                <a:srgbClr val="FFFFFF"/>
-              </a:solidFill>
-            </a:endParaRPr>
           </a:p>
         </p:txBody>
       </p:sp>
@@ -7709,11 +7399,323 @@
   <p:clrMapOvr>
     <a:masterClrMapping/>
   </p:clrMapOvr>
-  <mc:AlternateContent xmlns:mc="http://schemas.openxmlformats.org/markup-compatibility/2006">
-    <mc:Choice xmlns:p14="http://schemas.microsoft.com/office/powerpoint/2010/main" Requires="p14">
+  <mc:AlternateContent xmlns:mc="http://schemas.openxmlformats.org/markup-compatibility/2006" xmlns:p14="http://schemas.microsoft.com/office/powerpoint/2010/main">
+    <mc:Choice Requires="p14">
       <p:transition p14:dur="0"/>
     </mc:Choice>
-    <mc:Fallback>
+    <mc:Fallback xmlns="">
+      <p:transition xmlns:p14="http://schemas.microsoft.com/office/powerpoint/2010/main"/>
+    </mc:Fallback>
+  </mc:AlternateContent>
+  <p:timing>
+    <p:tnLst>
+      <p:par>
+        <p:cTn xmlns:p14="http://schemas.microsoft.com/office/powerpoint/2010/main" id="1" dur="indefinite" restart="never" nodeType="tmRoot"/>
+      </p:par>
+    </p:tnLst>
+  </p:timing>
+</p:sld>
+</file>
+
+<file path=ppt/slides/slide7.xml><?xml version="1.0" encoding="utf-8"?>
+<p:sld xmlns:a="http://schemas.openxmlformats.org/drawingml/2006/main" xmlns:r="http://schemas.openxmlformats.org/officeDocument/2006/relationships" xmlns:p="http://schemas.openxmlformats.org/presentationml/2006/main">
+  <p:cSld>
+    <p:spTree>
+      <p:nvGrpSpPr>
+        <p:cNvPr id="1" name=""/>
+        <p:cNvGrpSpPr/>
+        <p:nvPr/>
+      </p:nvGrpSpPr>
+      <p:grpSpPr>
+        <a:xfrm>
+          <a:off x="0" y="0"/>
+          <a:ext cx="0" cy="0"/>
+          <a:chOff x="0" y="0"/>
+          <a:chExt cx="0" cy="0"/>
+        </a:xfrm>
+      </p:grpSpPr>
+      <p:sp>
+        <p:nvSpPr>
+          <p:cNvPr id="5" name="Title 4"/>
+          <p:cNvSpPr>
+            <a:spLocks noGrp="1"/>
+          </p:cNvSpPr>
+          <p:nvPr>
+            <p:ph type="title"/>
+          </p:nvPr>
+        </p:nvSpPr>
+        <p:spPr/>
+        <p:txBody>
+          <a:bodyPr anchor="ctr"/>
+          <a:lstStyle/>
+          <a:p>
+            <a:pPr algn="ctr"/>
+            <a:r>
+              <a:rPr lang="en-US" dirty="0" smtClean="0"/>
+              <a:t>Conclusion</a:t>
+            </a:r>
+            <a:endParaRPr lang="en-US" dirty="0"/>
+          </a:p>
+        </p:txBody>
+      </p:sp>
+      <p:sp>
+        <p:nvSpPr>
+          <p:cNvPr id="6" name="Text Placeholder 5"/>
+          <p:cNvSpPr>
+            <a:spLocks noGrp="1"/>
+          </p:cNvSpPr>
+          <p:nvPr>
+            <p:ph type="body" idx="1"/>
+          </p:nvPr>
+        </p:nvSpPr>
+        <p:spPr>
+          <a:xfrm>
+            <a:off x="740664" y="2378968"/>
+            <a:ext cx="3767328" cy="762000"/>
+          </a:xfrm>
+          <a:solidFill>
+            <a:srgbClr val="00B500"/>
+          </a:solidFill>
+          <a:ln>
+            <a:solidFill>
+              <a:srgbClr val="008000"/>
+            </a:solidFill>
+          </a:ln>
+        </p:spPr>
+        <p:style>
+          <a:lnRef idx="1">
+            <a:schemeClr val="accent1"/>
+          </a:lnRef>
+          <a:fillRef idx="3">
+            <a:schemeClr val="accent1"/>
+          </a:fillRef>
+          <a:effectRef idx="2">
+            <a:schemeClr val="accent1"/>
+          </a:effectRef>
+          <a:fontRef idx="minor">
+            <a:schemeClr val="lt1"/>
+          </a:fontRef>
+        </p:style>
+        <p:txBody>
+          <a:bodyPr/>
+          <a:lstStyle/>
+          <a:p>
+            <a:r>
+              <a:rPr lang="en-US" dirty="0" smtClean="0">
+                <a:solidFill>
+                  <a:srgbClr val="103154"/>
+                </a:solidFill>
+              </a:rPr>
+              <a:t>Pros</a:t>
+            </a:r>
+            <a:endParaRPr lang="en-US" dirty="0">
+              <a:solidFill>
+                <a:srgbClr val="103154"/>
+              </a:solidFill>
+            </a:endParaRPr>
+          </a:p>
+        </p:txBody>
+      </p:sp>
+      <p:sp>
+        <p:nvSpPr>
+          <p:cNvPr id="7" name="Content Placeholder 6"/>
+          <p:cNvSpPr>
+            <a:spLocks noGrp="1"/>
+          </p:cNvSpPr>
+          <p:nvPr>
+            <p:ph sz="half" idx="2"/>
+          </p:nvPr>
+        </p:nvSpPr>
+        <p:spPr>
+          <a:solidFill>
+            <a:srgbClr val="00B500">
+              <a:alpha val="20000"/>
+            </a:srgbClr>
+          </a:solidFill>
+        </p:spPr>
+        <p:txBody>
+          <a:bodyPr/>
+          <a:lstStyle/>
+          <a:p>
+            <a:pPr marL="457200" indent="-457200">
+              <a:buFont typeface="Arial" panose="020B0604020202020204" pitchFamily="34" charset="0"/>
+              <a:buChar char="•"/>
+            </a:pPr>
+            <a:r>
+              <a:rPr lang="en-US" dirty="0"/>
+              <a:t>New Technologies and </a:t>
+            </a:r>
+            <a:r>
+              <a:rPr lang="en-US" dirty="0" smtClean="0"/>
+              <a:t>languages</a:t>
+            </a:r>
+          </a:p>
+          <a:p>
+            <a:pPr marL="457200" indent="-457200">
+              <a:buFont typeface="Arial" panose="020B0604020202020204" pitchFamily="34" charset="0"/>
+              <a:buChar char="•"/>
+            </a:pPr>
+            <a:r>
+              <a:rPr lang="en-US" dirty="0" smtClean="0"/>
+              <a:t>Group Work</a:t>
+            </a:r>
+          </a:p>
+          <a:p>
+            <a:pPr marL="457200" indent="-457200">
+              <a:buFont typeface="Arial" panose="020B0604020202020204" pitchFamily="34" charset="0"/>
+              <a:buChar char="•"/>
+            </a:pPr>
+            <a:r>
+              <a:rPr lang="en-US" dirty="0" smtClean="0"/>
+              <a:t>Further interest</a:t>
+            </a:r>
+            <a:endParaRPr lang="en-US" dirty="0" smtClean="0">
+              <a:solidFill>
+                <a:srgbClr val="000000"/>
+              </a:solidFill>
+              <a:latin typeface="Constantia"/>
+            </a:endParaRPr>
+          </a:p>
+          <a:p>
+            <a:pPr marL="0" indent="0">
+              <a:buNone/>
+            </a:pPr>
+            <a:endParaRPr lang="en-US" dirty="0" smtClean="0">
+              <a:solidFill>
+                <a:srgbClr val="000000"/>
+              </a:solidFill>
+              <a:latin typeface="Constantia"/>
+            </a:endParaRPr>
+          </a:p>
+          <a:p>
+            <a:endParaRPr lang="en-US" dirty="0"/>
+          </a:p>
+        </p:txBody>
+      </p:sp>
+      <p:sp>
+        <p:nvSpPr>
+          <p:cNvPr id="8" name="Text Placeholder 7"/>
+          <p:cNvSpPr>
+            <a:spLocks noGrp="1"/>
+          </p:cNvSpPr>
+          <p:nvPr>
+            <p:ph type="body" sz="quarter" idx="3"/>
+          </p:nvPr>
+        </p:nvSpPr>
+        <p:spPr>
+          <a:xfrm>
+            <a:off x="4631578" y="2378968"/>
+            <a:ext cx="3767328" cy="762000"/>
+          </a:xfrm>
+          <a:solidFill>
+            <a:srgbClr val="B90000">
+              <a:alpha val="80000"/>
+            </a:srgbClr>
+          </a:solidFill>
+          <a:ln>
+            <a:solidFill>
+              <a:srgbClr val="800000"/>
+            </a:solidFill>
+          </a:ln>
+        </p:spPr>
+        <p:style>
+          <a:lnRef idx="1">
+            <a:schemeClr val="accent6"/>
+          </a:lnRef>
+          <a:fillRef idx="3">
+            <a:schemeClr val="accent6"/>
+          </a:fillRef>
+          <a:effectRef idx="2">
+            <a:schemeClr val="accent6"/>
+          </a:effectRef>
+          <a:fontRef idx="minor">
+            <a:schemeClr val="lt1"/>
+          </a:fontRef>
+        </p:style>
+        <p:txBody>
+          <a:bodyPr/>
+          <a:lstStyle/>
+          <a:p>
+            <a:r>
+              <a:rPr lang="en-US" dirty="0" smtClean="0">
+                <a:solidFill>
+                  <a:schemeClr val="tx1"/>
+                </a:solidFill>
+              </a:rPr>
+              <a:t>Cons</a:t>
+            </a:r>
+            <a:endParaRPr lang="en-US" dirty="0">
+              <a:solidFill>
+                <a:schemeClr val="tx1"/>
+              </a:solidFill>
+            </a:endParaRPr>
+          </a:p>
+        </p:txBody>
+      </p:sp>
+      <p:sp>
+        <p:nvSpPr>
+          <p:cNvPr id="9" name="Content Placeholder 8"/>
+          <p:cNvSpPr>
+            <a:spLocks noGrp="1"/>
+          </p:cNvSpPr>
+          <p:nvPr>
+            <p:ph sz="quarter" idx="4"/>
+          </p:nvPr>
+        </p:nvSpPr>
+        <p:spPr>
+          <a:xfrm>
+            <a:off x="4631578" y="3140968"/>
+            <a:ext cx="3767328" cy="2891491"/>
+          </a:xfrm>
+          <a:solidFill>
+            <a:srgbClr val="FF0000">
+              <a:alpha val="20000"/>
+            </a:srgbClr>
+          </a:solidFill>
+        </p:spPr>
+        <p:txBody>
+          <a:bodyPr/>
+          <a:lstStyle/>
+          <a:p>
+            <a:pPr marL="457200" indent="-457200">
+              <a:buFont typeface="Arial" panose="020B0604020202020204" pitchFamily="34" charset="0"/>
+              <a:buChar char="•"/>
+            </a:pPr>
+            <a:r>
+              <a:rPr lang="en-US" dirty="0"/>
+              <a:t>Organization</a:t>
+            </a:r>
+          </a:p>
+          <a:p>
+            <a:pPr marL="457200" indent="-457200">
+              <a:buFont typeface="Arial" panose="020B0604020202020204" pitchFamily="34" charset="0"/>
+              <a:buChar char="•"/>
+            </a:pPr>
+            <a:r>
+              <a:rPr lang="en-US" dirty="0"/>
+              <a:t>Meeting</a:t>
+            </a:r>
+          </a:p>
+          <a:p>
+            <a:endParaRPr lang="en-US" dirty="0"/>
+          </a:p>
+        </p:txBody>
+      </p:sp>
+    </p:spTree>
+    <p:extLst>
+      <p:ext uri="{BB962C8B-B14F-4D97-AF65-F5344CB8AC3E}">
+        <p14:creationId xmlns:p14="http://schemas.microsoft.com/office/powerpoint/2010/main" val="2175042227"/>
+      </p:ext>
+    </p:extLst>
+  </p:cSld>
+  <p:clrMapOvr>
+    <a:masterClrMapping/>
+  </p:clrMapOvr>
+  <mc:AlternateContent xmlns:mc="http://schemas.openxmlformats.org/markup-compatibility/2006" xmlns:p14="http://schemas.microsoft.com/office/powerpoint/2010/main">
+    <mc:Choice Requires="p14">
+      <p:transition p14:dur="0"/>
+    </mc:Choice>
+    <mc:Fallback xmlns="">
       <p:transition xmlns:p14="http://schemas.microsoft.com/office/powerpoint/2010/main"/>
     </mc:Fallback>
   </mc:AlternateContent>
@@ -7787,11 +7789,11 @@
   <p:clrMapOvr>
     <a:masterClrMapping/>
   </p:clrMapOvr>
-  <mc:AlternateContent xmlns:mc="http://schemas.openxmlformats.org/markup-compatibility/2006">
-    <mc:Choice xmlns:p14="http://schemas.microsoft.com/office/powerpoint/2010/main" Requires="p14">
+  <mc:AlternateContent xmlns:mc="http://schemas.openxmlformats.org/markup-compatibility/2006" xmlns:p14="http://schemas.microsoft.com/office/powerpoint/2010/main">
+    <mc:Choice Requires="p14">
       <p:transition p14:dur="0"/>
     </mc:Choice>
-    <mc:Fallback>
+    <mc:Fallback xmlns="">
       <p:transition xmlns:p14="http://schemas.microsoft.com/office/powerpoint/2010/main"/>
     </mc:Fallback>
   </mc:AlternateContent>
@@ -8308,7 +8310,7 @@
   <a:extraClrSchemeLst/>
   <a:extLst>
     <a:ext uri="{05A4C25C-085E-4340-85A3-A5531E510DB2}">
-      <thm15:themeFamily xmlns="" xmlns:thm15="http://schemas.microsoft.com/office/thememl/2012/main" name="Office Theme" id="{62F939B6-93AF-4DB8-9C6B-D6C7DFDC589F}" vid="{4A3C46E8-61CC-4603-A589-7422A47A8E4A}"/>
+      <thm15:themeFamily xmlns:thm15="http://schemas.microsoft.com/office/thememl/2012/main" xmlns="" name="Office Theme" id="{62F939B6-93AF-4DB8-9C6B-D6C7DFDC589F}" vid="{4A3C46E8-61CC-4603-A589-7422A47A8E4A}"/>
     </a:ext>
   </a:extLst>
 </a:theme>
